--- a/03_Sequence_to_Sequence/Sequence to Sequence Learning with Neural Networks.pptx
+++ b/03_Sequence_to_Sequence/Sequence to Sequence Learning with Neural Networks.pptx
@@ -297,7 +297,7 @@
           <a:p>
             <a:fld id="{6BB62678-1C46-4141-9046-954E41CE757F}" type="datetimeFigureOut">
               <a:rPr lang="ko-KR" altLang="en-US" smtClean="0"/>
-              <a:t>2023-04-02</a:t>
+              <a:t>2023-04-03</a:t>
             </a:fld>
             <a:endParaRPr lang="ko-KR" altLang="en-US"/>
           </a:p>
@@ -495,7 +495,7 @@
           <a:p>
             <a:fld id="{6BB62678-1C46-4141-9046-954E41CE757F}" type="datetimeFigureOut">
               <a:rPr lang="ko-KR" altLang="en-US" smtClean="0"/>
-              <a:t>2023-04-02</a:t>
+              <a:t>2023-04-03</a:t>
             </a:fld>
             <a:endParaRPr lang="ko-KR" altLang="en-US"/>
           </a:p>
@@ -703,7 +703,7 @@
           <a:p>
             <a:fld id="{6BB62678-1C46-4141-9046-954E41CE757F}" type="datetimeFigureOut">
               <a:rPr lang="ko-KR" altLang="en-US" smtClean="0"/>
-              <a:t>2023-04-02</a:t>
+              <a:t>2023-04-03</a:t>
             </a:fld>
             <a:endParaRPr lang="ko-KR" altLang="en-US"/>
           </a:p>
@@ -901,7 +901,7 @@
           <a:p>
             <a:fld id="{6BB62678-1C46-4141-9046-954E41CE757F}" type="datetimeFigureOut">
               <a:rPr lang="ko-KR" altLang="en-US" smtClean="0"/>
-              <a:t>2023-04-02</a:t>
+              <a:t>2023-04-03</a:t>
             </a:fld>
             <a:endParaRPr lang="ko-KR" altLang="en-US"/>
           </a:p>
@@ -1176,7 +1176,7 @@
           <a:p>
             <a:fld id="{6BB62678-1C46-4141-9046-954E41CE757F}" type="datetimeFigureOut">
               <a:rPr lang="ko-KR" altLang="en-US" smtClean="0"/>
-              <a:t>2023-04-02</a:t>
+              <a:t>2023-04-03</a:t>
             </a:fld>
             <a:endParaRPr lang="ko-KR" altLang="en-US"/>
           </a:p>
@@ -1441,7 +1441,7 @@
           <a:p>
             <a:fld id="{6BB62678-1C46-4141-9046-954E41CE757F}" type="datetimeFigureOut">
               <a:rPr lang="ko-KR" altLang="en-US" smtClean="0"/>
-              <a:t>2023-04-02</a:t>
+              <a:t>2023-04-03</a:t>
             </a:fld>
             <a:endParaRPr lang="ko-KR" altLang="en-US"/>
           </a:p>
@@ -1853,7 +1853,7 @@
           <a:p>
             <a:fld id="{6BB62678-1C46-4141-9046-954E41CE757F}" type="datetimeFigureOut">
               <a:rPr lang="ko-KR" altLang="en-US" smtClean="0"/>
-              <a:t>2023-04-02</a:t>
+              <a:t>2023-04-03</a:t>
             </a:fld>
             <a:endParaRPr lang="ko-KR" altLang="en-US"/>
           </a:p>
@@ -1994,7 +1994,7 @@
           <a:p>
             <a:fld id="{6BB62678-1C46-4141-9046-954E41CE757F}" type="datetimeFigureOut">
               <a:rPr lang="ko-KR" altLang="en-US" smtClean="0"/>
-              <a:t>2023-04-02</a:t>
+              <a:t>2023-04-03</a:t>
             </a:fld>
             <a:endParaRPr lang="ko-KR" altLang="en-US"/>
           </a:p>
@@ -2107,7 +2107,7 @@
           <a:p>
             <a:fld id="{6BB62678-1C46-4141-9046-954E41CE757F}" type="datetimeFigureOut">
               <a:rPr lang="ko-KR" altLang="en-US" smtClean="0"/>
-              <a:t>2023-04-02</a:t>
+              <a:t>2023-04-03</a:t>
             </a:fld>
             <a:endParaRPr lang="ko-KR" altLang="en-US"/>
           </a:p>
@@ -2418,7 +2418,7 @@
           <a:p>
             <a:fld id="{6BB62678-1C46-4141-9046-954E41CE757F}" type="datetimeFigureOut">
               <a:rPr lang="ko-KR" altLang="en-US" smtClean="0"/>
-              <a:t>2023-04-02</a:t>
+              <a:t>2023-04-03</a:t>
             </a:fld>
             <a:endParaRPr lang="ko-KR" altLang="en-US"/>
           </a:p>
@@ -2706,7 +2706,7 @@
           <a:p>
             <a:fld id="{6BB62678-1C46-4141-9046-954E41CE757F}" type="datetimeFigureOut">
               <a:rPr lang="ko-KR" altLang="en-US" smtClean="0"/>
-              <a:t>2023-04-02</a:t>
+              <a:t>2023-04-03</a:t>
             </a:fld>
             <a:endParaRPr lang="ko-KR" altLang="en-US"/>
           </a:p>
@@ -2947,7 +2947,7 @@
           <a:p>
             <a:fld id="{6BB62678-1C46-4141-9046-954E41CE757F}" type="datetimeFigureOut">
               <a:rPr lang="ko-KR" altLang="en-US" smtClean="0"/>
-              <a:t>2023-04-02</a:t>
+              <a:t>2023-04-03</a:t>
             </a:fld>
             <a:endParaRPr lang="ko-KR" altLang="en-US"/>
           </a:p>
@@ -5766,8 +5766,8 @@
           </a:prstGeom>
         </p:spPr>
       </p:pic>
-      <mc:AlternateContent xmlns:mc="http://schemas.openxmlformats.org/markup-compatibility/2006">
-        <mc:Choice xmlns:a14="http://schemas.microsoft.com/office/drawing/2010/main" Requires="a14">
+      <mc:AlternateContent xmlns:mc="http://schemas.openxmlformats.org/markup-compatibility/2006" xmlns:a14="http://schemas.microsoft.com/office/drawing/2010/main">
+        <mc:Choice Requires="a14">
           <p:sp>
             <p:nvSpPr>
               <p:cNvPr id="16" name="타원 15">
@@ -5877,7 +5877,7 @@
             </p:txBody>
           </p:sp>
         </mc:Choice>
-        <mc:Fallback>
+        <mc:Fallback xmlns="">
           <p:sp>
             <p:nvSpPr>
               <p:cNvPr id="16" name="타원 15">
@@ -6753,8 +6753,8 @@
           <a:chExt cx="0" cy="0"/>
         </a:xfrm>
       </p:grpSpPr>
-      <mc:AlternateContent xmlns:mc="http://schemas.openxmlformats.org/markup-compatibility/2006">
-        <mc:Choice xmlns:a14="http://schemas.microsoft.com/office/drawing/2010/main" Requires="a14">
+      <mc:AlternateContent xmlns:mc="http://schemas.openxmlformats.org/markup-compatibility/2006" xmlns:a14="http://schemas.microsoft.com/office/drawing/2010/main">
+        <mc:Choice Requires="a14">
           <p:sp>
             <p:nvSpPr>
               <p:cNvPr id="4" name="직사각형 3">
@@ -6871,7 +6871,7 @@
             </p:txBody>
           </p:sp>
         </mc:Choice>
-        <mc:Fallback>
+        <mc:Fallback xmlns="">
           <p:sp>
             <p:nvSpPr>
               <p:cNvPr id="4" name="직사각형 3">
@@ -8084,8 +8084,8 @@
           </a:p>
         </p:txBody>
       </p:sp>
-      <mc:AlternateContent xmlns:mc="http://schemas.openxmlformats.org/markup-compatibility/2006">
-        <mc:Choice xmlns:a14="http://schemas.microsoft.com/office/drawing/2010/main" Requires="a14">
+      <mc:AlternateContent xmlns:mc="http://schemas.openxmlformats.org/markup-compatibility/2006" xmlns:a14="http://schemas.microsoft.com/office/drawing/2010/main">
+        <mc:Choice Requires="a14">
           <p:graphicFrame>
             <p:nvGraphicFramePr>
               <p:cNvPr id="7" name="표 7">
@@ -8704,7 +8704,7 @@
             </a:graphic>
           </p:graphicFrame>
         </mc:Choice>
-        <mc:Fallback>
+        <mc:Fallback xmlns="">
           <p:graphicFrame>
             <p:nvGraphicFramePr>
               <p:cNvPr id="7" name="표 7">
@@ -10147,8 +10147,8 @@
           </a:prstGeom>
         </p:spPr>
       </p:pic>
-      <mc:AlternateContent xmlns:mc="http://schemas.openxmlformats.org/markup-compatibility/2006">
-        <mc:Choice xmlns:a14="http://schemas.microsoft.com/office/drawing/2010/main" Requires="a14">
+      <mc:AlternateContent xmlns:mc="http://schemas.openxmlformats.org/markup-compatibility/2006" xmlns:a14="http://schemas.microsoft.com/office/drawing/2010/main">
+        <mc:Choice Requires="a14">
           <p:sp>
             <p:nvSpPr>
               <p:cNvPr id="7" name="직사각형 6">
@@ -10894,7 +10894,7 @@
             </p:txBody>
           </p:sp>
         </mc:Choice>
-        <mc:Fallback>
+        <mc:Fallback xmlns="">
           <p:sp>
             <p:nvSpPr>
               <p:cNvPr id="7" name="직사각형 6">
@@ -11436,8 +11436,8 @@
           </a:prstGeom>
         </p:spPr>
       </p:pic>
-      <mc:AlternateContent xmlns:mc="http://schemas.openxmlformats.org/markup-compatibility/2006">
-        <mc:Choice xmlns:a14="http://schemas.microsoft.com/office/drawing/2010/main" Requires="a14">
+      <mc:AlternateContent xmlns:mc="http://schemas.openxmlformats.org/markup-compatibility/2006" xmlns:a14="http://schemas.microsoft.com/office/drawing/2010/main">
+        <mc:Choice Requires="a14">
           <p:sp>
             <p:nvSpPr>
               <p:cNvPr id="11" name="직사각형 10">
@@ -11571,7 +11571,7 @@
             </p:txBody>
           </p:sp>
         </mc:Choice>
-        <mc:Fallback>
+        <mc:Fallback xmlns="">
           <p:sp>
             <p:nvSpPr>
               <p:cNvPr id="11" name="직사각형 10">
@@ -18352,8 +18352,8 @@
           </a:p>
         </p:txBody>
       </p:sp>
-      <mc:AlternateContent xmlns:mc="http://schemas.openxmlformats.org/markup-compatibility/2006">
-        <mc:Choice xmlns:a14="http://schemas.microsoft.com/office/drawing/2010/main" Requires="a14">
+      <mc:AlternateContent xmlns:mc="http://schemas.openxmlformats.org/markup-compatibility/2006" xmlns:a14="http://schemas.microsoft.com/office/drawing/2010/main">
+        <mc:Choice Requires="a14">
           <p:sp>
             <p:nvSpPr>
               <p:cNvPr id="8" name="직사각형 7">
@@ -18548,7 +18548,7 @@
             </p:txBody>
           </p:sp>
         </mc:Choice>
-        <mc:Fallback>
+        <mc:Fallback xmlns="">
           <p:sp>
             <p:nvSpPr>
               <p:cNvPr id="8" name="직사각형 7">
@@ -18919,8 +18919,8 @@
           </a:prstGeom>
         </p:spPr>
       </p:pic>
-      <mc:AlternateContent xmlns:mc="http://schemas.openxmlformats.org/markup-compatibility/2006">
-        <mc:Choice xmlns:a14="http://schemas.microsoft.com/office/drawing/2010/main" Requires="a14">
+      <mc:AlternateContent xmlns:mc="http://schemas.openxmlformats.org/markup-compatibility/2006" xmlns:a14="http://schemas.microsoft.com/office/drawing/2010/main">
+        <mc:Choice Requires="a14">
           <p:sp>
             <p:nvSpPr>
               <p:cNvPr id="9" name="직사각형 8">
@@ -19223,7 +19223,7 @@
             </p:txBody>
           </p:sp>
         </mc:Choice>
-        <mc:Fallback>
+        <mc:Fallback xmlns="">
           <p:sp>
             <p:nvSpPr>
               <p:cNvPr id="9" name="직사각형 8">
@@ -20988,8 +20988,8 @@
           </a:prstGeom>
         </p:spPr>
       </p:pic>
-      <mc:AlternateContent xmlns:mc="http://schemas.openxmlformats.org/markup-compatibility/2006">
-        <mc:Choice xmlns:a14="http://schemas.microsoft.com/office/drawing/2010/main" Requires="a14">
+      <mc:AlternateContent xmlns:mc="http://schemas.openxmlformats.org/markup-compatibility/2006" xmlns:a14="http://schemas.microsoft.com/office/drawing/2010/main">
+        <mc:Choice Requires="a14">
           <p:sp>
             <p:nvSpPr>
               <p:cNvPr id="8" name="직사각형 7">
@@ -21373,7 +21373,7 @@
             </p:txBody>
           </p:sp>
         </mc:Choice>
-        <mc:Fallback>
+        <mc:Fallback xmlns="">
           <p:sp>
             <p:nvSpPr>
               <p:cNvPr id="8" name="직사각형 7">
@@ -30409,8 +30409,8 @@
           </a:p>
         </p:txBody>
       </p:sp>
-      <mc:AlternateContent xmlns:mc="http://schemas.openxmlformats.org/markup-compatibility/2006">
-        <mc:Choice xmlns:a14="http://schemas.microsoft.com/office/drawing/2010/main" Requires="a14">
+      <mc:AlternateContent xmlns:mc="http://schemas.openxmlformats.org/markup-compatibility/2006" xmlns:a14="http://schemas.microsoft.com/office/drawing/2010/main">
+        <mc:Choice Requires="a14">
           <p:sp>
             <p:nvSpPr>
               <p:cNvPr id="10" name="직사각형 9">
@@ -30806,7 +30806,7 @@
             </p:txBody>
           </p:sp>
         </mc:Choice>
-        <mc:Fallback>
+        <mc:Fallback xmlns="">
           <p:sp>
             <p:nvSpPr>
               <p:cNvPr id="10" name="직사각형 9">
@@ -31030,8 +31030,8 @@
           </a:p>
         </p:txBody>
       </p:sp>
-      <mc:AlternateContent xmlns:mc="http://schemas.openxmlformats.org/markup-compatibility/2006">
-        <mc:Choice xmlns:a14="http://schemas.microsoft.com/office/drawing/2010/main" Requires="a14">
+      <mc:AlternateContent xmlns:mc="http://schemas.openxmlformats.org/markup-compatibility/2006" xmlns:a14="http://schemas.microsoft.com/office/drawing/2010/main">
+        <mc:Choice Requires="a14">
           <p:sp>
             <p:nvSpPr>
               <p:cNvPr id="3" name="직사각형 2">
@@ -31425,7 +31425,7 @@
             </p:txBody>
           </p:sp>
         </mc:Choice>
-        <mc:Fallback>
+        <mc:Fallback xmlns="">
           <p:sp>
             <p:nvSpPr>
               <p:cNvPr id="3" name="직사각형 2">
@@ -31473,8 +31473,8 @@
           </p:sp>
         </mc:Fallback>
       </mc:AlternateContent>
-      <mc:AlternateContent xmlns:mc="http://schemas.openxmlformats.org/markup-compatibility/2006">
-        <mc:Choice xmlns:a14="http://schemas.microsoft.com/office/drawing/2010/main" Requires="a14">
+      <mc:AlternateContent xmlns:mc="http://schemas.openxmlformats.org/markup-compatibility/2006" xmlns:a14="http://schemas.microsoft.com/office/drawing/2010/main">
+        <mc:Choice Requires="a14">
           <p:sp>
             <p:nvSpPr>
               <p:cNvPr id="5" name="직사각형 4">
@@ -31926,7 +31926,7 @@
             </p:txBody>
           </p:sp>
         </mc:Choice>
-        <mc:Fallback>
+        <mc:Fallback xmlns="">
           <p:sp>
             <p:nvSpPr>
               <p:cNvPr id="5" name="직사각형 4">
